--- a/Figures/vx_id16a_C5_propagated_neighbour_mode0019_witharrows.pptx
+++ b/Figures/vx_id16a_C5_propagated_neighbour_mode0019_witharrows.pptx
@@ -3199,7 +3199,7 @@
         </p:nvSpPr>
         <p:spPr>
           <a:xfrm>
-            <a:off x="3786240" y="2507734"/>
+            <a:off x="3744825" y="2480122"/>
             <a:ext cx="575210" cy="369332"/>
           </a:xfrm>
           <a:prstGeom prst="rect">
@@ -3254,15 +3254,13 @@
       <p:cxnSp>
         <p:nvCxnSpPr>
           <p:cNvPr id="20" name="Straight Arrow Connector 19"/>
-          <p:cNvCxnSpPr>
-            <a:stCxn id="34" idx="2"/>
-          </p:cNvCxnSpPr>
+          <p:cNvCxnSpPr/>
           <p:nvPr/>
         </p:nvCxnSpPr>
         <p:spPr>
-          <a:xfrm flipH="1">
+          <a:xfrm>
             <a:off x="6764390" y="4954032"/>
-            <a:ext cx="90470" cy="183118"/>
+            <a:ext cx="0" cy="183118"/>
           </a:xfrm>
           <a:prstGeom prst="straightConnector1">
             <a:avLst/>
@@ -3392,7 +3390,7 @@
         </p:nvSpPr>
         <p:spPr>
           <a:xfrm>
-            <a:off x="6704030" y="4584700"/>
+            <a:off x="6602430" y="4622800"/>
             <a:ext cx="301660" cy="369332"/>
           </a:xfrm>
           <a:prstGeom prst="rect">
@@ -3462,6 +3460,76 @@
           </a:prstGeom>
           <a:ln>
             <a:tailEnd type="arrow"/>
+          </a:ln>
+        </p:spPr>
+        <p:style>
+          <a:lnRef idx="2">
+            <a:schemeClr val="accent1"/>
+          </a:lnRef>
+          <a:fillRef idx="0">
+            <a:schemeClr val="accent1"/>
+          </a:fillRef>
+          <a:effectRef idx="1">
+            <a:schemeClr val="accent1"/>
+          </a:effectRef>
+          <a:fontRef idx="minor">
+            <a:schemeClr val="tx1"/>
+          </a:fontRef>
+        </p:style>
+      </p:cxnSp>
+      <p:cxnSp>
+        <p:nvCxnSpPr>
+          <p:cNvPr id="21" name="Straight Connector 20"/>
+          <p:cNvCxnSpPr/>
+          <p:nvPr/>
+        </p:nvCxnSpPr>
+        <p:spPr>
+          <a:xfrm>
+            <a:off x="1925773" y="824199"/>
+            <a:ext cx="792343" cy="0"/>
+          </a:xfrm>
+          <a:prstGeom prst="line">
+            <a:avLst/>
+          </a:prstGeom>
+          <a:ln w="6350">
+            <a:solidFill>
+              <a:schemeClr val="tx1"/>
+            </a:solidFill>
+          </a:ln>
+        </p:spPr>
+        <p:style>
+          <a:lnRef idx="2">
+            <a:schemeClr val="accent1"/>
+          </a:lnRef>
+          <a:fillRef idx="0">
+            <a:schemeClr val="accent1"/>
+          </a:fillRef>
+          <a:effectRef idx="1">
+            <a:schemeClr val="accent1"/>
+          </a:effectRef>
+          <a:fontRef idx="minor">
+            <a:schemeClr val="tx1"/>
+          </a:fontRef>
+        </p:style>
+      </p:cxnSp>
+      <p:cxnSp>
+        <p:nvCxnSpPr>
+          <p:cNvPr id="22" name="Straight Connector 21"/>
+          <p:cNvCxnSpPr/>
+          <p:nvPr/>
+        </p:nvCxnSpPr>
+        <p:spPr>
+          <a:xfrm>
+            <a:off x="6447970" y="6115050"/>
+            <a:ext cx="792343" cy="0"/>
+          </a:xfrm>
+          <a:prstGeom prst="line">
+            <a:avLst/>
+          </a:prstGeom>
+          <a:ln w="6350">
+            <a:solidFill>
+              <a:schemeClr val="tx1"/>
+            </a:solidFill>
           </a:ln>
         </p:spPr>
         <p:style>
